--- a/PPT/SpringMQ.pptx
+++ b/PPT/SpringMQ.pptx
@@ -5,8 +5,7 @@
     <p:sldMasterId id="2147483648" r:id="rId1"/>
   </p:sldMasterIdLst>
   <p:sldIdLst>
-    <p:sldId id="256" r:id="rId2"/>
-    <p:sldId id="257" r:id="rId3"/>
+    <p:sldId id="257" r:id="rId2"/>
   </p:sldIdLst>
   <p:sldSz cx="12192000" cy="6858000"/>
   <p:notesSz cx="6858000" cy="9144000"/>
@@ -105,6 +104,11 @@
       </a:defRPr>
     </a:lvl9pPr>
   </p:defaultTextStyle>
+  <p:extLst>
+    <p:ext uri="{EFAFB233-063F-42B5-8137-9DF3F51BA10A}">
+      <p15:sldGuideLst xmlns:p15="http://schemas.microsoft.com/office/powerpoint/2012/main"/>
+    </p:ext>
+  </p:extLst>
 </p:presentation>
 </file>
 
@@ -3345,86 +3349,6 @@
       </p:grpSpPr>
       <p:sp>
         <p:nvSpPr>
-          <p:cNvPr id="2" name="Title 1">
-            <a:extLst>
-              <a:ext uri="{FF2B5EF4-FFF2-40B4-BE49-F238E27FC236}">
-                <a16:creationId xmlns:a16="http://schemas.microsoft.com/office/drawing/2014/main" id="{F02B6DAA-75C3-4369-9FC2-5D0340A6F1A6}"/>
-              </a:ext>
-            </a:extLst>
-          </p:cNvPr>
-          <p:cNvSpPr>
-            <a:spLocks noGrp="1"/>
-          </p:cNvSpPr>
-          <p:nvPr>
-            <p:ph type="ctrTitle"/>
-          </p:nvPr>
-        </p:nvSpPr>
-        <p:spPr/>
-        <p:txBody>
-          <a:bodyPr/>
-          <a:lstStyle/>
-          <a:p>
-            <a:endParaRPr lang="pt-BR"/>
-          </a:p>
-        </p:txBody>
-      </p:sp>
-      <p:sp>
-        <p:nvSpPr>
-          <p:cNvPr id="3" name="Subtitle 2">
-            <a:extLst>
-              <a:ext uri="{FF2B5EF4-FFF2-40B4-BE49-F238E27FC236}">
-                <a16:creationId xmlns:a16="http://schemas.microsoft.com/office/drawing/2014/main" id="{3129BF48-32CB-4AEA-AD1B-4DE41FDAC27B}"/>
-              </a:ext>
-            </a:extLst>
-          </p:cNvPr>
-          <p:cNvSpPr>
-            <a:spLocks noGrp="1"/>
-          </p:cNvSpPr>
-          <p:nvPr>
-            <p:ph type="subTitle" idx="1"/>
-          </p:nvPr>
-        </p:nvSpPr>
-        <p:spPr/>
-        <p:txBody>
-          <a:bodyPr/>
-          <a:lstStyle/>
-          <a:p>
-            <a:endParaRPr lang="pt-BR"/>
-          </a:p>
-        </p:txBody>
-      </p:sp>
-    </p:spTree>
-    <p:extLst>
-      <p:ext uri="{BB962C8B-B14F-4D97-AF65-F5344CB8AC3E}">
-        <p14:creationId xmlns:p14="http://schemas.microsoft.com/office/powerpoint/2010/main" val="530276942"/>
-      </p:ext>
-    </p:extLst>
-  </p:cSld>
-  <p:clrMapOvr>
-    <a:masterClrMapping/>
-  </p:clrMapOvr>
-</p:sld>
-</file>
-
-<file path=ppt/slides/slide2.xml><?xml version="1.0" encoding="utf-8"?>
-<p:sld xmlns:a="http://schemas.openxmlformats.org/drawingml/2006/main" xmlns:r="http://schemas.openxmlformats.org/officeDocument/2006/relationships" xmlns:p="http://schemas.openxmlformats.org/presentationml/2006/main">
-  <p:cSld>
-    <p:spTree>
-      <p:nvGrpSpPr>
-        <p:cNvPr id="1" name=""/>
-        <p:cNvGrpSpPr/>
-        <p:nvPr/>
-      </p:nvGrpSpPr>
-      <p:grpSpPr>
-        <a:xfrm>
-          <a:off x="0" y="0"/>
-          <a:ext cx="0" cy="0"/>
-          <a:chOff x="0" y="0"/>
-          <a:chExt cx="0" cy="0"/>
-        </a:xfrm>
-      </p:grpSpPr>
-      <p:sp>
-        <p:nvSpPr>
           <p:cNvPr id="19" name="Rectangle 18">
             <a:extLst>
               <a:ext uri="{FF2B5EF4-FFF2-40B4-BE49-F238E27FC236}">
@@ -3679,12 +3603,20 @@
           <a:p>
             <a:pPr algn="ctr"/>
             <a:r>
+              <a:rPr lang="en-US">
+                <a:solidFill>
+                  <a:schemeClr val="tx1"/>
+                </a:solidFill>
+              </a:rPr>
+              <a:t>(</a:t>
+            </a:r>
+            <a:r>
               <a:rPr lang="en-US" dirty="0">
                 <a:solidFill>
                   <a:schemeClr val="tx1"/>
                 </a:solidFill>
               </a:rPr>
-              <a:t>Local</a:t>
+              <a:t>Código)</a:t>
             </a:r>
           </a:p>
         </p:txBody>
@@ -3994,7 +3926,7 @@
         </p:nvSpPr>
         <p:spPr>
           <a:xfrm>
-            <a:off x="1746599" y="4473367"/>
+            <a:off x="1746599" y="3588120"/>
             <a:ext cx="1644746" cy="673766"/>
           </a:xfrm>
           <a:prstGeom prst="rect">
@@ -4041,16 +3973,179 @@
                   <a:schemeClr val="tx1"/>
                 </a:solidFill>
               </a:rPr>
-              <a:t>runmq</a:t>
-            </a:r>
-            <a:endParaRPr lang="en-US" dirty="0">
-              <a:solidFill>
-                <a:schemeClr val="tx1"/>
-              </a:solidFill>
-            </a:endParaRPr>
-          </a:p>
-        </p:txBody>
-      </p:sp>
+              <a:t>runmqsc</a:t>
+            </a:r>
+            <a:r>
+              <a:rPr lang="en-US" dirty="0">
+                <a:solidFill>
+                  <a:schemeClr val="tx1"/>
+                </a:solidFill>
+              </a:rPr>
+              <a:t>)</a:t>
+            </a:r>
+          </a:p>
+        </p:txBody>
+      </p:sp>
+      <p:cxnSp>
+        <p:nvCxnSpPr>
+          <p:cNvPr id="12" name="Straight Arrow Connector 11">
+            <a:extLst>
+              <a:ext uri="{FF2B5EF4-FFF2-40B4-BE49-F238E27FC236}">
+                <a16:creationId xmlns:a16="http://schemas.microsoft.com/office/drawing/2014/main" id="{30218D83-B78D-4266-8975-8B2C9E087910}"/>
+              </a:ext>
+            </a:extLst>
+          </p:cNvPr>
+          <p:cNvCxnSpPr>
+            <a:cxnSpLocks/>
+            <a:stCxn id="22" idx="3"/>
+            <a:endCxn id="6" idx="1"/>
+          </p:cNvCxnSpPr>
+          <p:nvPr/>
+        </p:nvCxnSpPr>
+        <p:spPr>
+          <a:xfrm>
+            <a:off x="3391345" y="3925003"/>
+            <a:ext cx="3630695" cy="1252410"/>
+          </a:xfrm>
+          <a:prstGeom prst="straightConnector1">
+            <a:avLst/>
+          </a:prstGeom>
+          <a:ln>
+            <a:solidFill>
+              <a:schemeClr val="tx1"/>
+            </a:solidFill>
+            <a:tailEnd type="triangle"/>
+          </a:ln>
+        </p:spPr>
+        <p:style>
+          <a:lnRef idx="1">
+            <a:schemeClr val="accent1"/>
+          </a:lnRef>
+          <a:fillRef idx="0">
+            <a:schemeClr val="accent1"/>
+          </a:fillRef>
+          <a:effectRef idx="0">
+            <a:schemeClr val="accent1"/>
+          </a:effectRef>
+          <a:fontRef idx="minor">
+            <a:schemeClr val="tx1"/>
+          </a:fontRef>
+        </p:style>
+      </p:cxnSp>
+      <p:sp>
+        <p:nvSpPr>
+          <p:cNvPr id="16" name="Rectangle 15">
+            <a:extLst>
+              <a:ext uri="{FF2B5EF4-FFF2-40B4-BE49-F238E27FC236}">
+                <a16:creationId xmlns:a16="http://schemas.microsoft.com/office/drawing/2014/main" id="{26492143-DA09-4184-B1EE-311B5AAB6168}"/>
+              </a:ext>
+            </a:extLst>
+          </p:cNvPr>
+          <p:cNvSpPr/>
+          <p:nvPr/>
+        </p:nvSpPr>
+        <p:spPr>
+          <a:xfrm>
+            <a:off x="1746599" y="4509138"/>
+            <a:ext cx="1644746" cy="673766"/>
+          </a:xfrm>
+          <a:prstGeom prst="rect">
+            <a:avLst/>
+          </a:prstGeom>
+          <a:solidFill>
+            <a:schemeClr val="bg1">
+              <a:lumMod val="85000"/>
+            </a:schemeClr>
+          </a:solidFill>
+        </p:spPr>
+        <p:style>
+          <a:lnRef idx="2">
+            <a:schemeClr val="accent1">
+              <a:shade val="50000"/>
+            </a:schemeClr>
+          </a:lnRef>
+          <a:fillRef idx="1">
+            <a:schemeClr val="accent1"/>
+          </a:fillRef>
+          <a:effectRef idx="0">
+            <a:schemeClr val="accent1"/>
+          </a:effectRef>
+          <a:fontRef idx="minor">
+            <a:schemeClr val="lt1"/>
+          </a:fontRef>
+        </p:style>
+        <p:txBody>
+          <a:bodyPr rtlCol="0" anchor="ctr"/>
+          <a:lstStyle/>
+          <a:p>
+            <a:pPr algn="ctr"/>
+            <a:r>
+              <a:rPr lang="en-US" dirty="0">
+                <a:solidFill>
+                  <a:schemeClr val="tx1"/>
+                </a:solidFill>
+              </a:rPr>
+              <a:t>Browse</a:t>
+            </a:r>
+          </a:p>
+          <a:p>
+            <a:pPr algn="ctr"/>
+            <a:r>
+              <a:rPr lang="en-US" dirty="0">
+                <a:solidFill>
+                  <a:schemeClr val="tx1"/>
+                </a:solidFill>
+              </a:rPr>
+              <a:t>Console</a:t>
+            </a:r>
+          </a:p>
+        </p:txBody>
+      </p:sp>
+      <p:cxnSp>
+        <p:nvCxnSpPr>
+          <p:cNvPr id="17" name="Straight Arrow Connector 16">
+            <a:extLst>
+              <a:ext uri="{FF2B5EF4-FFF2-40B4-BE49-F238E27FC236}">
+                <a16:creationId xmlns:a16="http://schemas.microsoft.com/office/drawing/2014/main" id="{21FBB2CA-6BC9-410E-8A15-D1C8EBFFD1BA}"/>
+              </a:ext>
+            </a:extLst>
+          </p:cNvPr>
+          <p:cNvCxnSpPr>
+            <a:cxnSpLocks/>
+            <a:stCxn id="16" idx="3"/>
+          </p:cNvCxnSpPr>
+          <p:nvPr/>
+        </p:nvCxnSpPr>
+        <p:spPr>
+          <a:xfrm>
+            <a:off x="3391345" y="4846021"/>
+            <a:ext cx="3630695" cy="377665"/>
+          </a:xfrm>
+          <a:prstGeom prst="straightConnector1">
+            <a:avLst/>
+          </a:prstGeom>
+          <a:ln>
+            <a:solidFill>
+              <a:schemeClr val="tx1"/>
+            </a:solidFill>
+            <a:tailEnd type="triangle"/>
+          </a:ln>
+        </p:spPr>
+        <p:style>
+          <a:lnRef idx="1">
+            <a:schemeClr val="accent1"/>
+          </a:lnRef>
+          <a:fillRef idx="0">
+            <a:schemeClr val="accent1"/>
+          </a:fillRef>
+          <a:effectRef idx="0">
+            <a:schemeClr val="accent1"/>
+          </a:effectRef>
+          <a:fontRef idx="minor">
+            <a:schemeClr val="tx1"/>
+          </a:fontRef>
+        </p:style>
+      </p:cxnSp>
     </p:spTree>
     <p:extLst>
       <p:ext uri="{BB962C8B-B14F-4D97-AF65-F5344CB8AC3E}">

--- a/PPT/SpringMQ.pptx
+++ b/PPT/SpringMQ.pptx
@@ -6,6 +6,7 @@
   </p:sldMasterIdLst>
   <p:sldIdLst>
     <p:sldId id="257" r:id="rId2"/>
+    <p:sldId id="258" r:id="rId3"/>
   </p:sldIdLst>
   <p:sldSz cx="12192000" cy="6858000"/>
   <p:notesSz cx="6858000" cy="9144000"/>
@@ -4159,6 +4160,65 @@
 </p:sld>
 </file>
 
+<file path=ppt/slides/slide2.xml><?xml version="1.0" encoding="utf-8"?>
+<p:sld xmlns:a="http://schemas.openxmlformats.org/drawingml/2006/main" xmlns:r="http://schemas.openxmlformats.org/officeDocument/2006/relationships" xmlns:p="http://schemas.openxmlformats.org/presentationml/2006/main">
+  <p:cSld>
+    <p:spTree>
+      <p:nvGrpSpPr>
+        <p:cNvPr id="1" name=""/>
+        <p:cNvGrpSpPr/>
+        <p:nvPr/>
+      </p:nvGrpSpPr>
+      <p:grpSpPr>
+        <a:xfrm>
+          <a:off x="0" y="0"/>
+          <a:ext cx="0" cy="0"/>
+          <a:chOff x="0" y="0"/>
+          <a:chExt cx="0" cy="0"/>
+        </a:xfrm>
+      </p:grpSpPr>
+      <p:pic>
+        <p:nvPicPr>
+          <p:cNvPr id="4" name="Picture 3">
+            <a:extLst>
+              <a:ext uri="{FF2B5EF4-FFF2-40B4-BE49-F238E27FC236}">
+                <a16:creationId xmlns:a16="http://schemas.microsoft.com/office/drawing/2014/main" id="{57BBB467-AACA-45CC-BACC-965C68210E7D}"/>
+              </a:ext>
+            </a:extLst>
+          </p:cNvPr>
+          <p:cNvPicPr>
+            <a:picLocks noChangeAspect="1"/>
+          </p:cNvPicPr>
+          <p:nvPr/>
+        </p:nvPicPr>
+        <p:blipFill rotWithShape="1">
+          <a:blip r:embed="rId2"/>
+          <a:srcRect b="7378"/>
+          <a:stretch/>
+        </p:blipFill>
+        <p:spPr>
+          <a:xfrm>
+            <a:off x="160773" y="170822"/>
+            <a:ext cx="12192000" cy="6352032"/>
+          </a:xfrm>
+          <a:prstGeom prst="rect">
+            <a:avLst/>
+          </a:prstGeom>
+        </p:spPr>
+      </p:pic>
+    </p:spTree>
+    <p:extLst>
+      <p:ext uri="{BB962C8B-B14F-4D97-AF65-F5344CB8AC3E}">
+        <p14:creationId xmlns:p14="http://schemas.microsoft.com/office/powerpoint/2010/main" val="3093615357"/>
+      </p:ext>
+    </p:extLst>
+  </p:cSld>
+  <p:clrMapOvr>
+    <a:masterClrMapping/>
+  </p:clrMapOvr>
+</p:sld>
+</file>
+
 <file path=ppt/theme/theme1.xml><?xml version="1.0" encoding="utf-8"?>
 <a:theme xmlns:a="http://schemas.openxmlformats.org/drawingml/2006/main" name="Office Theme">
   <a:themeElements>
